--- a/flow_meter/2019-06-27.Layout.BROOKSControl.pptx
+++ b/flow_meter/2019-06-27.Layout.BROOKSControl.pptx
@@ -2964,6 +2964,30 @@
           <a:chExt cx="0" cy="0"/>
         </a:xfrm>
       </p:grpSpPr>
+      <p:pic>
+        <p:nvPicPr>
+          <p:cNvPr id="3" name="Grafik 2"/>
+          <p:cNvPicPr>
+            <a:picLocks noChangeAspect="1"/>
+          </p:cNvPicPr>
+          <p:nvPr/>
+        </p:nvPicPr>
+        <p:blipFill>
+          <a:blip r:embed="rId2"/>
+          <a:stretch>
+            <a:fillRect/>
+          </a:stretch>
+        </p:blipFill>
+        <p:spPr>
+          <a:xfrm>
+            <a:off x="1" y="1245154"/>
+            <a:ext cx="3180764" cy="1483550"/>
+          </a:xfrm>
+          <a:prstGeom prst="rect">
+            <a:avLst/>
+          </a:prstGeom>
+        </p:spPr>
+      </p:pic>
       <p:sp>
         <p:nvSpPr>
           <p:cNvPr id="4" name="Textfeld 3"/>
@@ -2994,1715 +3018,6 @@
           </a:p>
         </p:txBody>
       </p:sp>
-      <p:graphicFrame>
-        <p:nvGraphicFramePr>
-          <p:cNvPr id="6" name="Tabelle 5"/>
-          <p:cNvGraphicFramePr>
-            <a:graphicFrameLocks noGrp="1"/>
-          </p:cNvGraphicFramePr>
-          <p:nvPr/>
-        </p:nvGraphicFramePr>
-        <p:xfrm>
-          <a:off x="399186" y="1252898"/>
-          <a:ext cx="2734712" cy="2171700"/>
-        </p:xfrm>
-        <a:graphic>
-          <a:graphicData uri="http://schemas.openxmlformats.org/drawingml/2006/table">
-            <a:tbl>
-              <a:tblPr/>
-              <a:tblGrid>
-                <a:gridCol w="683678">
-                  <a:extLst>
-                    <a:ext uri="{9D8B030D-6E8A-4147-A177-3AD203B41FA5}">
-                      <a16:colId xmlns:a16="http://schemas.microsoft.com/office/drawing/2014/main" val="1695709822"/>
-                    </a:ext>
-                  </a:extLst>
-                </a:gridCol>
-                <a:gridCol w="683678">
-                  <a:extLst>
-                    <a:ext uri="{9D8B030D-6E8A-4147-A177-3AD203B41FA5}">
-                      <a16:colId xmlns:a16="http://schemas.microsoft.com/office/drawing/2014/main" val="1166538720"/>
-                    </a:ext>
-                  </a:extLst>
-                </a:gridCol>
-                <a:gridCol w="683678">
-                  <a:extLst>
-                    <a:ext uri="{9D8B030D-6E8A-4147-A177-3AD203B41FA5}">
-                      <a16:colId xmlns:a16="http://schemas.microsoft.com/office/drawing/2014/main" val="571606511"/>
-                    </a:ext>
-                  </a:extLst>
-                </a:gridCol>
-                <a:gridCol w="683678">
-                  <a:extLst>
-                    <a:ext uri="{9D8B030D-6E8A-4147-A177-3AD203B41FA5}">
-                      <a16:colId xmlns:a16="http://schemas.microsoft.com/office/drawing/2014/main" val="818488689"/>
-                    </a:ext>
-                  </a:extLst>
-                </a:gridCol>
-              </a:tblGrid>
-              <a:tr h="150487">
-                <a:tc>
-                  <a:txBody>
-                    <a:bodyPr/>
-                    <a:lstStyle/>
-                    <a:p>
-                      <a:pPr algn="ctr"/>
-                      <a:r>
-                        <a:rPr lang="de-CH" sz="600" b="1">
-                          <a:effectLst/>
-                        </a:rPr>
-                        <a:t>Number</a:t>
-                      </a:r>
-                    </a:p>
-                  </a:txBody>
-                  <a:tcPr marL="123825" marR="123825" marT="57150" marB="57150" anchor="ctr">
-                    <a:lnL w="9525" cap="flat" cmpd="sng" algn="ctr">
-                      <a:solidFill>
-                        <a:srgbClr val="DFE2E5"/>
-                      </a:solidFill>
-                      <a:prstDash val="solid"/>
-                      <a:round/>
-                      <a:headEnd type="none" w="med" len="med"/>
-                      <a:tailEnd type="none" w="med" len="med"/>
-                    </a:lnL>
-                    <a:lnR w="9525" cap="flat" cmpd="sng" algn="ctr">
-                      <a:solidFill>
-                        <a:srgbClr val="DFE2E5"/>
-                      </a:solidFill>
-                      <a:prstDash val="solid"/>
-                      <a:round/>
-                      <a:headEnd type="none" w="med" len="med"/>
-                      <a:tailEnd type="none" w="med" len="med"/>
-                    </a:lnR>
-                    <a:lnT w="9525" cap="flat" cmpd="sng" algn="ctr">
-                      <a:solidFill>
-                        <a:srgbClr val="DFE2E5"/>
-                      </a:solidFill>
-                      <a:prstDash val="solid"/>
-                      <a:round/>
-                      <a:headEnd type="none" w="med" len="med"/>
-                      <a:tailEnd type="none" w="med" len="med"/>
-                    </a:lnT>
-                    <a:lnB w="9525" cap="flat" cmpd="sng" algn="ctr">
-                      <a:solidFill>
-                        <a:srgbClr val="DFE2E5"/>
-                      </a:solidFill>
-                      <a:prstDash val="solid"/>
-                      <a:round/>
-                      <a:headEnd type="none" w="med" len="med"/>
-                      <a:tailEnd type="none" w="med" len="med"/>
-                    </a:lnB>
-                    <a:solidFill>
-                      <a:srgbClr val="FFFFFF"/>
-                    </a:solidFill>
-                  </a:tcPr>
-                </a:tc>
-                <a:tc>
-                  <a:txBody>
-                    <a:bodyPr/>
-                    <a:lstStyle/>
-                    <a:p>
-                      <a:pPr algn="ctr"/>
-                      <a:r>
-                        <a:rPr lang="de-CH" sz="600" b="1" dirty="0">
-                          <a:effectLst/>
-                        </a:rPr>
-                        <a:t>Color</a:t>
-                      </a:r>
-                    </a:p>
-                  </a:txBody>
-                  <a:tcPr marL="123825" marR="123825" marT="57150" marB="57150" anchor="ctr">
-                    <a:lnL w="9525" cap="flat" cmpd="sng" algn="ctr">
-                      <a:solidFill>
-                        <a:srgbClr val="DFE2E5"/>
-                      </a:solidFill>
-                      <a:prstDash val="solid"/>
-                      <a:round/>
-                      <a:headEnd type="none" w="med" len="med"/>
-                      <a:tailEnd type="none" w="med" len="med"/>
-                    </a:lnL>
-                    <a:lnR w="9525" cap="flat" cmpd="sng" algn="ctr">
-                      <a:solidFill>
-                        <a:srgbClr val="DFE2E5"/>
-                      </a:solidFill>
-                      <a:prstDash val="solid"/>
-                      <a:round/>
-                      <a:headEnd type="none" w="med" len="med"/>
-                      <a:tailEnd type="none" w="med" len="med"/>
-                    </a:lnR>
-                    <a:lnT w="9525" cap="flat" cmpd="sng" algn="ctr">
-                      <a:solidFill>
-                        <a:srgbClr val="DFE2E5"/>
-                      </a:solidFill>
-                      <a:prstDash val="solid"/>
-                      <a:round/>
-                      <a:headEnd type="none" w="med" len="med"/>
-                      <a:tailEnd type="none" w="med" len="med"/>
-                    </a:lnT>
-                    <a:lnB w="9525" cap="flat" cmpd="sng" algn="ctr">
-                      <a:solidFill>
-                        <a:srgbClr val="DFE2E5"/>
-                      </a:solidFill>
-                      <a:prstDash val="solid"/>
-                      <a:round/>
-                      <a:headEnd type="none" w="med" len="med"/>
-                      <a:tailEnd type="none" w="med" len="med"/>
-                    </a:lnB>
-                    <a:solidFill>
-                      <a:srgbClr val="FFFFFF"/>
-                    </a:solidFill>
-                  </a:tcPr>
-                </a:tc>
-                <a:tc>
-                  <a:txBody>
-                    <a:bodyPr/>
-                    <a:lstStyle/>
-                    <a:p>
-                      <a:pPr algn="ctr"/>
-                      <a:r>
-                        <a:rPr lang="de-CH" sz="600" b="1">
-                          <a:effectLst/>
-                        </a:rPr>
-                        <a:t>Description</a:t>
-                      </a:r>
-                    </a:p>
-                  </a:txBody>
-                  <a:tcPr marL="123825" marR="123825" marT="57150" marB="57150" anchor="ctr">
-                    <a:lnL w="9525" cap="flat" cmpd="sng" algn="ctr">
-                      <a:solidFill>
-                        <a:srgbClr val="DFE2E5"/>
-                      </a:solidFill>
-                      <a:prstDash val="solid"/>
-                      <a:round/>
-                      <a:headEnd type="none" w="med" len="med"/>
-                      <a:tailEnd type="none" w="med" len="med"/>
-                    </a:lnL>
-                    <a:lnR w="9525" cap="flat" cmpd="sng" algn="ctr">
-                      <a:solidFill>
-                        <a:srgbClr val="DFE2E5"/>
-                      </a:solidFill>
-                      <a:prstDash val="solid"/>
-                      <a:round/>
-                      <a:headEnd type="none" w="med" len="med"/>
-                      <a:tailEnd type="none" w="med" len="med"/>
-                    </a:lnR>
-                    <a:lnT w="9525" cap="flat" cmpd="sng" algn="ctr">
-                      <a:solidFill>
-                        <a:srgbClr val="DFE2E5"/>
-                      </a:solidFill>
-                      <a:prstDash val="solid"/>
-                      <a:round/>
-                      <a:headEnd type="none" w="med" len="med"/>
-                      <a:tailEnd type="none" w="med" len="med"/>
-                    </a:lnT>
-                    <a:lnB w="9525" cap="flat" cmpd="sng" algn="ctr">
-                      <a:solidFill>
-                        <a:srgbClr val="DFE2E5"/>
-                      </a:solidFill>
-                      <a:prstDash val="solid"/>
-                      <a:round/>
-                      <a:headEnd type="none" w="med" len="med"/>
-                      <a:tailEnd type="none" w="med" len="med"/>
-                    </a:lnB>
-                    <a:solidFill>
-                      <a:srgbClr val="FFFFFF"/>
-                    </a:solidFill>
-                  </a:tcPr>
-                </a:tc>
-                <a:tc>
-                  <a:txBody>
-                    <a:bodyPr/>
-                    <a:lstStyle/>
-                    <a:p>
-                      <a:pPr algn="ctr"/>
-                      <a:r>
-                        <a:rPr lang="en-US" sz="600" b="1" dirty="0" smtClean="0">
-                          <a:effectLst/>
-                        </a:rPr>
-                        <a:t>Arduino</a:t>
-                      </a:r>
-                      <a:endParaRPr lang="de-CH" sz="600" b="1" dirty="0">
-                        <a:effectLst/>
-                      </a:endParaRPr>
-                    </a:p>
-                  </a:txBody>
-                  <a:tcPr marL="123825" marR="123825" marT="57150" marB="57150" anchor="ctr">
-                    <a:lnL w="9525" cap="flat" cmpd="sng" algn="ctr">
-                      <a:solidFill>
-                        <a:srgbClr val="DFE2E5"/>
-                      </a:solidFill>
-                      <a:prstDash val="solid"/>
-                      <a:round/>
-                      <a:headEnd type="none" w="med" len="med"/>
-                      <a:tailEnd type="none" w="med" len="med"/>
-                    </a:lnL>
-                    <a:lnR w="9525" cap="flat" cmpd="sng" algn="ctr">
-                      <a:solidFill>
-                        <a:srgbClr val="DFE2E5"/>
-                      </a:solidFill>
-                      <a:prstDash val="solid"/>
-                      <a:round/>
-                      <a:headEnd type="none" w="med" len="med"/>
-                      <a:tailEnd type="none" w="med" len="med"/>
-                    </a:lnR>
-                    <a:lnT w="9525" cap="flat" cmpd="sng" algn="ctr">
-                      <a:solidFill>
-                        <a:srgbClr val="DFE2E5"/>
-                      </a:solidFill>
-                      <a:prstDash val="solid"/>
-                      <a:round/>
-                      <a:headEnd type="none" w="med" len="med"/>
-                      <a:tailEnd type="none" w="med" len="med"/>
-                    </a:lnT>
-                    <a:lnB w="9525" cap="flat" cmpd="sng" algn="ctr">
-                      <a:solidFill>
-                        <a:srgbClr val="DFE2E5"/>
-                      </a:solidFill>
-                      <a:prstDash val="solid"/>
-                      <a:round/>
-                      <a:headEnd type="none" w="med" len="med"/>
-                      <a:tailEnd type="none" w="med" len="med"/>
-                    </a:lnB>
-                    <a:solidFill>
-                      <a:srgbClr val="FFFFFF"/>
-                    </a:solidFill>
-                  </a:tcPr>
-                </a:tc>
-                <a:extLst>
-                  <a:ext uri="{0D108BD9-81ED-4DB2-BD59-A6C34878D82A}">
-                    <a16:rowId xmlns:a16="http://schemas.microsoft.com/office/drawing/2014/main" val="2324575325"/>
-                  </a:ext>
-                </a:extLst>
-              </a:tr>
-              <a:tr h="150487">
-                <a:tc>
-                  <a:txBody>
-                    <a:bodyPr/>
-                    <a:lstStyle/>
-                    <a:p>
-                      <a:pPr algn="ctr"/>
-                      <a:r>
-                        <a:rPr lang="de-CH" sz="600">
-                          <a:effectLst/>
-                        </a:rPr>
-                        <a:t>1</a:t>
-                      </a:r>
-                    </a:p>
-                  </a:txBody>
-                  <a:tcPr marL="123825" marR="123825" marT="57150" marB="57150" anchor="ctr">
-                    <a:lnL w="9525" cap="flat" cmpd="sng" algn="ctr">
-                      <a:solidFill>
-                        <a:srgbClr val="DFE2E5"/>
-                      </a:solidFill>
-                      <a:prstDash val="solid"/>
-                      <a:round/>
-                      <a:headEnd type="none" w="med" len="med"/>
-                      <a:tailEnd type="none" w="med" len="med"/>
-                    </a:lnL>
-                    <a:lnR w="9525" cap="flat" cmpd="sng" algn="ctr">
-                      <a:solidFill>
-                        <a:srgbClr val="DFE2E5"/>
-                      </a:solidFill>
-                      <a:prstDash val="solid"/>
-                      <a:round/>
-                      <a:headEnd type="none" w="med" len="med"/>
-                      <a:tailEnd type="none" w="med" len="med"/>
-                    </a:lnR>
-                    <a:lnT w="9525" cap="flat" cmpd="sng" algn="ctr">
-                      <a:solidFill>
-                        <a:srgbClr val="DFE2E5"/>
-                      </a:solidFill>
-                      <a:prstDash val="solid"/>
-                      <a:round/>
-                      <a:headEnd type="none" w="med" len="med"/>
-                      <a:tailEnd type="none" w="med" len="med"/>
-                    </a:lnT>
-                    <a:lnB w="9525" cap="flat" cmpd="sng" algn="ctr">
-                      <a:solidFill>
-                        <a:srgbClr val="DFE2E5"/>
-                      </a:solidFill>
-                      <a:prstDash val="solid"/>
-                      <a:round/>
-                      <a:headEnd type="none" w="med" len="med"/>
-                      <a:tailEnd type="none" w="med" len="med"/>
-                    </a:lnB>
-                    <a:solidFill>
-                      <a:srgbClr val="FFFFFF"/>
-                    </a:solidFill>
-                  </a:tcPr>
-                </a:tc>
-                <a:tc>
-                  <a:txBody>
-                    <a:bodyPr/>
-                    <a:lstStyle/>
-                    <a:p>
-                      <a:pPr algn="ctr"/>
-                      <a:r>
-                        <a:rPr lang="de-CH" sz="600">
-                          <a:effectLst/>
-                        </a:rPr>
-                        <a:t>Red-blue</a:t>
-                      </a:r>
-                    </a:p>
-                  </a:txBody>
-                  <a:tcPr marL="123825" marR="123825" marT="57150" marB="57150" anchor="ctr">
-                    <a:lnL w="9525" cap="flat" cmpd="sng" algn="ctr">
-                      <a:solidFill>
-                        <a:srgbClr val="DFE2E5"/>
-                      </a:solidFill>
-                      <a:prstDash val="solid"/>
-                      <a:round/>
-                      <a:headEnd type="none" w="med" len="med"/>
-                      <a:tailEnd type="none" w="med" len="med"/>
-                    </a:lnL>
-                    <a:lnR w="9525" cap="flat" cmpd="sng" algn="ctr">
-                      <a:solidFill>
-                        <a:srgbClr val="DFE2E5"/>
-                      </a:solidFill>
-                      <a:prstDash val="solid"/>
-                      <a:round/>
-                      <a:headEnd type="none" w="med" len="med"/>
-                      <a:tailEnd type="none" w="med" len="med"/>
-                    </a:lnR>
-                    <a:lnT w="9525" cap="flat" cmpd="sng" algn="ctr">
-                      <a:solidFill>
-                        <a:srgbClr val="DFE2E5"/>
-                      </a:solidFill>
-                      <a:prstDash val="solid"/>
-                      <a:round/>
-                      <a:headEnd type="none" w="med" len="med"/>
-                      <a:tailEnd type="none" w="med" len="med"/>
-                    </a:lnT>
-                    <a:lnB w="9525" cap="flat" cmpd="sng" algn="ctr">
-                      <a:solidFill>
-                        <a:srgbClr val="DFE2E5"/>
-                      </a:solidFill>
-                      <a:prstDash val="solid"/>
-                      <a:round/>
-                      <a:headEnd type="none" w="med" len="med"/>
-                      <a:tailEnd type="none" w="med" len="med"/>
-                    </a:lnB>
-                    <a:solidFill>
-                      <a:srgbClr val="FFFFFF"/>
-                    </a:solidFill>
-                  </a:tcPr>
-                </a:tc>
-                <a:tc>
-                  <a:txBody>
-                    <a:bodyPr/>
-                    <a:lstStyle/>
-                    <a:p>
-                      <a:pPr algn="ctr"/>
-                      <a:r>
-                        <a:rPr lang="de-CH" sz="600">
-                          <a:effectLst/>
-                        </a:rPr>
-                        <a:t>Setpoint common</a:t>
-                      </a:r>
-                    </a:p>
-                  </a:txBody>
-                  <a:tcPr marL="123825" marR="123825" marT="57150" marB="57150" anchor="ctr">
-                    <a:lnL w="9525" cap="flat" cmpd="sng" algn="ctr">
-                      <a:solidFill>
-                        <a:srgbClr val="DFE2E5"/>
-                      </a:solidFill>
-                      <a:prstDash val="solid"/>
-                      <a:round/>
-                      <a:headEnd type="none" w="med" len="med"/>
-                      <a:tailEnd type="none" w="med" len="med"/>
-                    </a:lnL>
-                    <a:lnR w="9525" cap="flat" cmpd="sng" algn="ctr">
-                      <a:solidFill>
-                        <a:srgbClr val="DFE2E5"/>
-                      </a:solidFill>
-                      <a:prstDash val="solid"/>
-                      <a:round/>
-                      <a:headEnd type="none" w="med" len="med"/>
-                      <a:tailEnd type="none" w="med" len="med"/>
-                    </a:lnR>
-                    <a:lnT w="9525" cap="flat" cmpd="sng" algn="ctr">
-                      <a:solidFill>
-                        <a:srgbClr val="DFE2E5"/>
-                      </a:solidFill>
-                      <a:prstDash val="solid"/>
-                      <a:round/>
-                      <a:headEnd type="none" w="med" len="med"/>
-                      <a:tailEnd type="none" w="med" len="med"/>
-                    </a:lnT>
-                    <a:lnB w="9525" cap="flat" cmpd="sng" algn="ctr">
-                      <a:solidFill>
-                        <a:srgbClr val="DFE2E5"/>
-                      </a:solidFill>
-                      <a:prstDash val="solid"/>
-                      <a:round/>
-                      <a:headEnd type="none" w="med" len="med"/>
-                      <a:tailEnd type="none" w="med" len="med"/>
-                    </a:lnB>
-                    <a:solidFill>
-                      <a:srgbClr val="FFFFFF"/>
-                    </a:solidFill>
-                  </a:tcPr>
-                </a:tc>
-                <a:tc>
-                  <a:txBody>
-                    <a:bodyPr/>
-                    <a:lstStyle/>
-                    <a:p>
-                      <a:pPr algn="ctr"/>
-                      <a:r>
-                        <a:rPr lang="en-US" sz="600" dirty="0" smtClean="0">
-                          <a:effectLst/>
-                        </a:rPr>
-                        <a:t>GND</a:t>
-                      </a:r>
-                      <a:endParaRPr lang="de-CH" sz="600" dirty="0">
-                        <a:effectLst/>
-                      </a:endParaRPr>
-                    </a:p>
-                  </a:txBody>
-                  <a:tcPr marL="123825" marR="123825" marT="57150" marB="57150" anchor="ctr">
-                    <a:lnL w="9525" cap="flat" cmpd="sng" algn="ctr">
-                      <a:solidFill>
-                        <a:srgbClr val="DFE2E5"/>
-                      </a:solidFill>
-                      <a:prstDash val="solid"/>
-                      <a:round/>
-                      <a:headEnd type="none" w="med" len="med"/>
-                      <a:tailEnd type="none" w="med" len="med"/>
-                    </a:lnL>
-                    <a:lnR w="9525" cap="flat" cmpd="sng" algn="ctr">
-                      <a:solidFill>
-                        <a:srgbClr val="DFE2E5"/>
-                      </a:solidFill>
-                      <a:prstDash val="solid"/>
-                      <a:round/>
-                      <a:headEnd type="none" w="med" len="med"/>
-                      <a:tailEnd type="none" w="med" len="med"/>
-                    </a:lnR>
-                    <a:lnT w="9525" cap="flat" cmpd="sng" algn="ctr">
-                      <a:solidFill>
-                        <a:srgbClr val="DFE2E5"/>
-                      </a:solidFill>
-                      <a:prstDash val="solid"/>
-                      <a:round/>
-                      <a:headEnd type="none" w="med" len="med"/>
-                      <a:tailEnd type="none" w="med" len="med"/>
-                    </a:lnT>
-                    <a:lnB w="9525" cap="flat" cmpd="sng" algn="ctr">
-                      <a:solidFill>
-                        <a:srgbClr val="DFE2E5"/>
-                      </a:solidFill>
-                      <a:prstDash val="solid"/>
-                      <a:round/>
-                      <a:headEnd type="none" w="med" len="med"/>
-                      <a:tailEnd type="none" w="med" len="med"/>
-                    </a:lnB>
-                    <a:solidFill>
-                      <a:srgbClr val="FFFFFF"/>
-                    </a:solidFill>
-                  </a:tcPr>
-                </a:tc>
-                <a:extLst>
-                  <a:ext uri="{0D108BD9-81ED-4DB2-BD59-A6C34878D82A}">
-                    <a16:rowId xmlns:a16="http://schemas.microsoft.com/office/drawing/2014/main" val="1466652730"/>
-                  </a:ext>
-                </a:extLst>
-              </a:tr>
-              <a:tr h="150487">
-                <a:tc>
-                  <a:txBody>
-                    <a:bodyPr/>
-                    <a:lstStyle/>
-                    <a:p>
-                      <a:pPr algn="ctr"/>
-                      <a:r>
-                        <a:rPr lang="de-CH" sz="600">
-                          <a:effectLst/>
-                        </a:rPr>
-                        <a:t>2</a:t>
-                      </a:r>
-                    </a:p>
-                  </a:txBody>
-                  <a:tcPr marL="123825" marR="123825" marT="57150" marB="57150" anchor="ctr">
-                    <a:lnL w="9525" cap="flat" cmpd="sng" algn="ctr">
-                      <a:solidFill>
-                        <a:srgbClr val="DFE2E5"/>
-                      </a:solidFill>
-                      <a:prstDash val="solid"/>
-                      <a:round/>
-                      <a:headEnd type="none" w="med" len="med"/>
-                      <a:tailEnd type="none" w="med" len="med"/>
-                    </a:lnL>
-                    <a:lnR w="9525" cap="flat" cmpd="sng" algn="ctr">
-                      <a:solidFill>
-                        <a:srgbClr val="DFE2E5"/>
-                      </a:solidFill>
-                      <a:prstDash val="solid"/>
-                      <a:round/>
-                      <a:headEnd type="none" w="med" len="med"/>
-                      <a:tailEnd type="none" w="med" len="med"/>
-                    </a:lnR>
-                    <a:lnT w="9525" cap="flat" cmpd="sng" algn="ctr">
-                      <a:solidFill>
-                        <a:srgbClr val="DFE2E5"/>
-                      </a:solidFill>
-                      <a:prstDash val="solid"/>
-                      <a:round/>
-                      <a:headEnd type="none" w="med" len="med"/>
-                      <a:tailEnd type="none" w="med" len="med"/>
-                    </a:lnT>
-                    <a:lnB w="9525" cap="flat" cmpd="sng" algn="ctr">
-                      <a:solidFill>
-                        <a:srgbClr val="DFE2E5"/>
-                      </a:solidFill>
-                      <a:prstDash val="solid"/>
-                      <a:round/>
-                      <a:headEnd type="none" w="med" len="med"/>
-                      <a:tailEnd type="none" w="med" len="med"/>
-                    </a:lnB>
-                    <a:solidFill>
-                      <a:srgbClr val="F6F8FA"/>
-                    </a:solidFill>
-                  </a:tcPr>
-                </a:tc>
-                <a:tc>
-                  <a:txBody>
-                    <a:bodyPr/>
-                    <a:lstStyle/>
-                    <a:p>
-                      <a:pPr algn="ctr"/>
-                      <a:r>
-                        <a:rPr lang="de-CH" sz="600">
-                          <a:effectLst/>
-                        </a:rPr>
-                        <a:t>White-green</a:t>
-                      </a:r>
-                    </a:p>
-                  </a:txBody>
-                  <a:tcPr marL="123825" marR="123825" marT="57150" marB="57150" anchor="ctr">
-                    <a:lnL w="9525" cap="flat" cmpd="sng" algn="ctr">
-                      <a:solidFill>
-                        <a:srgbClr val="DFE2E5"/>
-                      </a:solidFill>
-                      <a:prstDash val="solid"/>
-                      <a:round/>
-                      <a:headEnd type="none" w="med" len="med"/>
-                      <a:tailEnd type="none" w="med" len="med"/>
-                    </a:lnL>
-                    <a:lnR w="9525" cap="flat" cmpd="sng" algn="ctr">
-                      <a:solidFill>
-                        <a:srgbClr val="DFE2E5"/>
-                      </a:solidFill>
-                      <a:prstDash val="solid"/>
-                      <a:round/>
-                      <a:headEnd type="none" w="med" len="med"/>
-                      <a:tailEnd type="none" w="med" len="med"/>
-                    </a:lnR>
-                    <a:lnT w="9525" cap="flat" cmpd="sng" algn="ctr">
-                      <a:solidFill>
-                        <a:srgbClr val="DFE2E5"/>
-                      </a:solidFill>
-                      <a:prstDash val="solid"/>
-                      <a:round/>
-                      <a:headEnd type="none" w="med" len="med"/>
-                      <a:tailEnd type="none" w="med" len="med"/>
-                    </a:lnT>
-                    <a:lnB w="9525" cap="flat" cmpd="sng" algn="ctr">
-                      <a:solidFill>
-                        <a:srgbClr val="DFE2E5"/>
-                      </a:solidFill>
-                      <a:prstDash val="solid"/>
-                      <a:round/>
-                      <a:headEnd type="none" w="med" len="med"/>
-                      <a:tailEnd type="none" w="med" len="med"/>
-                    </a:lnB>
-                    <a:solidFill>
-                      <a:srgbClr val="F6F8FA"/>
-                    </a:solidFill>
-                  </a:tcPr>
-                </a:tc>
-                <a:tc>
-                  <a:txBody>
-                    <a:bodyPr/>
-                    <a:lstStyle/>
-                    <a:p>
-                      <a:pPr algn="ctr"/>
-                      <a:r>
-                        <a:rPr lang="de-CH" sz="600">
-                          <a:effectLst/>
-                        </a:rPr>
-                        <a:t>Flow Signal 0-5 V</a:t>
-                      </a:r>
-                    </a:p>
-                  </a:txBody>
-                  <a:tcPr marL="123825" marR="123825" marT="57150" marB="57150" anchor="ctr">
-                    <a:lnL w="9525" cap="flat" cmpd="sng" algn="ctr">
-                      <a:solidFill>
-                        <a:srgbClr val="DFE2E5"/>
-                      </a:solidFill>
-                      <a:prstDash val="solid"/>
-                      <a:round/>
-                      <a:headEnd type="none" w="med" len="med"/>
-                      <a:tailEnd type="none" w="med" len="med"/>
-                    </a:lnL>
-                    <a:lnR w="9525" cap="flat" cmpd="sng" algn="ctr">
-                      <a:solidFill>
-                        <a:srgbClr val="DFE2E5"/>
-                      </a:solidFill>
-                      <a:prstDash val="solid"/>
-                      <a:round/>
-                      <a:headEnd type="none" w="med" len="med"/>
-                      <a:tailEnd type="none" w="med" len="med"/>
-                    </a:lnR>
-                    <a:lnT w="9525" cap="flat" cmpd="sng" algn="ctr">
-                      <a:solidFill>
-                        <a:srgbClr val="DFE2E5"/>
-                      </a:solidFill>
-                      <a:prstDash val="solid"/>
-                      <a:round/>
-                      <a:headEnd type="none" w="med" len="med"/>
-                      <a:tailEnd type="none" w="med" len="med"/>
-                    </a:lnT>
-                    <a:lnB w="9525" cap="flat" cmpd="sng" algn="ctr">
-                      <a:solidFill>
-                        <a:srgbClr val="DFE2E5"/>
-                      </a:solidFill>
-                      <a:prstDash val="solid"/>
-                      <a:round/>
-                      <a:headEnd type="none" w="med" len="med"/>
-                      <a:tailEnd type="none" w="med" len="med"/>
-                    </a:lnB>
-                    <a:solidFill>
-                      <a:srgbClr val="F6F8FA"/>
-                    </a:solidFill>
-                  </a:tcPr>
-                </a:tc>
-                <a:tc>
-                  <a:txBody>
-                    <a:bodyPr/>
-                    <a:lstStyle/>
-                    <a:p>
-                      <a:pPr algn="ctr"/>
-                      <a:r>
-                        <a:rPr lang="en-US" sz="600" dirty="0" smtClean="0">
-                          <a:effectLst/>
-                        </a:rPr>
-                        <a:t>A0</a:t>
-                      </a:r>
-                      <a:endParaRPr lang="de-CH" sz="600" dirty="0">
-                        <a:effectLst/>
-                      </a:endParaRPr>
-                    </a:p>
-                  </a:txBody>
-                  <a:tcPr marL="123825" marR="123825" marT="57150" marB="57150" anchor="ctr">
-                    <a:lnL w="9525" cap="flat" cmpd="sng" algn="ctr">
-                      <a:solidFill>
-                        <a:srgbClr val="DFE2E5"/>
-                      </a:solidFill>
-                      <a:prstDash val="solid"/>
-                      <a:round/>
-                      <a:headEnd type="none" w="med" len="med"/>
-                      <a:tailEnd type="none" w="med" len="med"/>
-                    </a:lnL>
-                    <a:lnR w="9525" cap="flat" cmpd="sng" algn="ctr">
-                      <a:solidFill>
-                        <a:srgbClr val="DFE2E5"/>
-                      </a:solidFill>
-                      <a:prstDash val="solid"/>
-                      <a:round/>
-                      <a:headEnd type="none" w="med" len="med"/>
-                      <a:tailEnd type="none" w="med" len="med"/>
-                    </a:lnR>
-                    <a:lnT w="9525" cap="flat" cmpd="sng" algn="ctr">
-                      <a:solidFill>
-                        <a:srgbClr val="DFE2E5"/>
-                      </a:solidFill>
-                      <a:prstDash val="solid"/>
-                      <a:round/>
-                      <a:headEnd type="none" w="med" len="med"/>
-                      <a:tailEnd type="none" w="med" len="med"/>
-                    </a:lnT>
-                    <a:lnB w="9525" cap="flat" cmpd="sng" algn="ctr">
-                      <a:solidFill>
-                        <a:srgbClr val="DFE2E5"/>
-                      </a:solidFill>
-                      <a:prstDash val="solid"/>
-                      <a:round/>
-                      <a:headEnd type="none" w="med" len="med"/>
-                      <a:tailEnd type="none" w="med" len="med"/>
-                    </a:lnB>
-                    <a:solidFill>
-                      <a:srgbClr val="F6F8FA"/>
-                    </a:solidFill>
-                  </a:tcPr>
-                </a:tc>
-                <a:extLst>
-                  <a:ext uri="{0D108BD9-81ED-4DB2-BD59-A6C34878D82A}">
-                    <a16:rowId xmlns:a16="http://schemas.microsoft.com/office/drawing/2014/main" val="2471933233"/>
-                  </a:ext>
-                </a:extLst>
-              </a:tr>
-              <a:tr h="256712">
-                <a:tc>
-                  <a:txBody>
-                    <a:bodyPr/>
-                    <a:lstStyle/>
-                    <a:p>
-                      <a:pPr algn="ctr"/>
-                      <a:r>
-                        <a:rPr lang="de-CH" sz="600">
-                          <a:effectLst/>
-                        </a:rPr>
-                        <a:t>5</a:t>
-                      </a:r>
-                    </a:p>
-                  </a:txBody>
-                  <a:tcPr marL="123825" marR="123825" marT="57150" marB="57150" anchor="ctr">
-                    <a:lnL w="9525" cap="flat" cmpd="sng" algn="ctr">
-                      <a:solidFill>
-                        <a:srgbClr val="DFE2E5"/>
-                      </a:solidFill>
-                      <a:prstDash val="solid"/>
-                      <a:round/>
-                      <a:headEnd type="none" w="med" len="med"/>
-                      <a:tailEnd type="none" w="med" len="med"/>
-                    </a:lnL>
-                    <a:lnR w="9525" cap="flat" cmpd="sng" algn="ctr">
-                      <a:solidFill>
-                        <a:srgbClr val="DFE2E5"/>
-                      </a:solidFill>
-                      <a:prstDash val="solid"/>
-                      <a:round/>
-                      <a:headEnd type="none" w="med" len="med"/>
-                      <a:tailEnd type="none" w="med" len="med"/>
-                    </a:lnR>
-                    <a:lnT w="9525" cap="flat" cmpd="sng" algn="ctr">
-                      <a:solidFill>
-                        <a:srgbClr val="DFE2E5"/>
-                      </a:solidFill>
-                      <a:prstDash val="solid"/>
-                      <a:round/>
-                      <a:headEnd type="none" w="med" len="med"/>
-                      <a:tailEnd type="none" w="med" len="med"/>
-                    </a:lnT>
-                    <a:lnB w="9525" cap="flat" cmpd="sng" algn="ctr">
-                      <a:solidFill>
-                        <a:srgbClr val="DFE2E5"/>
-                      </a:solidFill>
-                      <a:prstDash val="solid"/>
-                      <a:round/>
-                      <a:headEnd type="none" w="med" len="med"/>
-                      <a:tailEnd type="none" w="med" len="med"/>
-                    </a:lnB>
-                    <a:solidFill>
-                      <a:srgbClr val="FFFFFF"/>
-                    </a:solidFill>
-                  </a:tcPr>
-                </a:tc>
-                <a:tc>
-                  <a:txBody>
-                    <a:bodyPr/>
-                    <a:lstStyle/>
-                    <a:p>
-                      <a:pPr algn="ctr"/>
-                      <a:r>
-                        <a:rPr lang="de-CH" sz="600">
-                          <a:effectLst/>
-                        </a:rPr>
-                        <a:t>Blue</a:t>
-                      </a:r>
-                    </a:p>
-                  </a:txBody>
-                  <a:tcPr marL="123825" marR="123825" marT="57150" marB="57150" anchor="ctr">
-                    <a:lnL w="9525" cap="flat" cmpd="sng" algn="ctr">
-                      <a:solidFill>
-                        <a:srgbClr val="DFE2E5"/>
-                      </a:solidFill>
-                      <a:prstDash val="solid"/>
-                      <a:round/>
-                      <a:headEnd type="none" w="med" len="med"/>
-                      <a:tailEnd type="none" w="med" len="med"/>
-                    </a:lnL>
-                    <a:lnR w="9525" cap="flat" cmpd="sng" algn="ctr">
-                      <a:solidFill>
-                        <a:srgbClr val="DFE2E5"/>
-                      </a:solidFill>
-                      <a:prstDash val="solid"/>
-                      <a:round/>
-                      <a:headEnd type="none" w="med" len="med"/>
-                      <a:tailEnd type="none" w="med" len="med"/>
-                    </a:lnR>
-                    <a:lnT w="9525" cap="flat" cmpd="sng" algn="ctr">
-                      <a:solidFill>
-                        <a:srgbClr val="DFE2E5"/>
-                      </a:solidFill>
-                      <a:prstDash val="solid"/>
-                      <a:round/>
-                      <a:headEnd type="none" w="med" len="med"/>
-                      <a:tailEnd type="none" w="med" len="med"/>
-                    </a:lnT>
-                    <a:lnB w="9525" cap="flat" cmpd="sng" algn="ctr">
-                      <a:solidFill>
-                        <a:srgbClr val="DFE2E5"/>
-                      </a:solidFill>
-                      <a:prstDash val="solid"/>
-                      <a:round/>
-                      <a:headEnd type="none" w="med" len="med"/>
-                      <a:tailEnd type="none" w="med" len="med"/>
-                    </a:lnB>
-                    <a:solidFill>
-                      <a:srgbClr val="FFFFFF"/>
-                    </a:solidFill>
-                  </a:tcPr>
-                </a:tc>
-                <a:tc>
-                  <a:txBody>
-                    <a:bodyPr/>
-                    <a:lstStyle/>
-                    <a:p>
-                      <a:pPr algn="ctr"/>
-                      <a:r>
-                        <a:rPr lang="en-US" sz="600">
-                          <a:effectLst/>
-                        </a:rPr>
-                        <a:t>Power Supply +13.5 to +27 VDC</a:t>
-                      </a:r>
-                    </a:p>
-                  </a:txBody>
-                  <a:tcPr marL="123825" marR="123825" marT="57150" marB="57150" anchor="ctr">
-                    <a:lnL w="9525" cap="flat" cmpd="sng" algn="ctr">
-                      <a:solidFill>
-                        <a:srgbClr val="DFE2E5"/>
-                      </a:solidFill>
-                      <a:prstDash val="solid"/>
-                      <a:round/>
-                      <a:headEnd type="none" w="med" len="med"/>
-                      <a:tailEnd type="none" w="med" len="med"/>
-                    </a:lnL>
-                    <a:lnR w="9525" cap="flat" cmpd="sng" algn="ctr">
-                      <a:solidFill>
-                        <a:srgbClr val="DFE2E5"/>
-                      </a:solidFill>
-                      <a:prstDash val="solid"/>
-                      <a:round/>
-                      <a:headEnd type="none" w="med" len="med"/>
-                      <a:tailEnd type="none" w="med" len="med"/>
-                    </a:lnR>
-                    <a:lnT w="9525" cap="flat" cmpd="sng" algn="ctr">
-                      <a:solidFill>
-                        <a:srgbClr val="DFE2E5"/>
-                      </a:solidFill>
-                      <a:prstDash val="solid"/>
-                      <a:round/>
-                      <a:headEnd type="none" w="med" len="med"/>
-                      <a:tailEnd type="none" w="med" len="med"/>
-                    </a:lnT>
-                    <a:lnB w="9525" cap="flat" cmpd="sng" algn="ctr">
-                      <a:solidFill>
-                        <a:srgbClr val="DFE2E5"/>
-                      </a:solidFill>
-                      <a:prstDash val="solid"/>
-                      <a:round/>
-                      <a:headEnd type="none" w="med" len="med"/>
-                      <a:tailEnd type="none" w="med" len="med"/>
-                    </a:lnB>
-                    <a:solidFill>
-                      <a:srgbClr val="FFFFFF"/>
-                    </a:solidFill>
-                  </a:tcPr>
-                </a:tc>
-                <a:tc>
-                  <a:txBody>
-                    <a:bodyPr/>
-                    <a:lstStyle/>
-                    <a:p>
-                      <a:pPr algn="ctr"/>
-                      <a:r>
-                        <a:rPr lang="en-US" sz="600" dirty="0" smtClean="0">
-                          <a:effectLst/>
-                        </a:rPr>
-                        <a:t>-</a:t>
-                      </a:r>
-                      <a:endParaRPr lang="en-US" sz="600" dirty="0">
-                        <a:effectLst/>
-                      </a:endParaRPr>
-                    </a:p>
-                  </a:txBody>
-                  <a:tcPr marL="123825" marR="123825" marT="57150" marB="57150" anchor="ctr">
-                    <a:lnL w="9525" cap="flat" cmpd="sng" algn="ctr">
-                      <a:solidFill>
-                        <a:srgbClr val="DFE2E5"/>
-                      </a:solidFill>
-                      <a:prstDash val="solid"/>
-                      <a:round/>
-                      <a:headEnd type="none" w="med" len="med"/>
-                      <a:tailEnd type="none" w="med" len="med"/>
-                    </a:lnL>
-                    <a:lnR w="9525" cap="flat" cmpd="sng" algn="ctr">
-                      <a:solidFill>
-                        <a:srgbClr val="DFE2E5"/>
-                      </a:solidFill>
-                      <a:prstDash val="solid"/>
-                      <a:round/>
-                      <a:headEnd type="none" w="med" len="med"/>
-                      <a:tailEnd type="none" w="med" len="med"/>
-                    </a:lnR>
-                    <a:lnT w="9525" cap="flat" cmpd="sng" algn="ctr">
-                      <a:solidFill>
-                        <a:srgbClr val="DFE2E5"/>
-                      </a:solidFill>
-                      <a:prstDash val="solid"/>
-                      <a:round/>
-                      <a:headEnd type="none" w="med" len="med"/>
-                      <a:tailEnd type="none" w="med" len="med"/>
-                    </a:lnT>
-                    <a:lnB w="9525" cap="flat" cmpd="sng" algn="ctr">
-                      <a:solidFill>
-                        <a:srgbClr val="DFE2E5"/>
-                      </a:solidFill>
-                      <a:prstDash val="solid"/>
-                      <a:round/>
-                      <a:headEnd type="none" w="med" len="med"/>
-                      <a:tailEnd type="none" w="med" len="med"/>
-                    </a:lnB>
-                    <a:solidFill>
-                      <a:srgbClr val="FFFFFF"/>
-                    </a:solidFill>
-                  </a:tcPr>
-                </a:tc>
-                <a:extLst>
-                  <a:ext uri="{0D108BD9-81ED-4DB2-BD59-A6C34878D82A}">
-                    <a16:rowId xmlns:a16="http://schemas.microsoft.com/office/drawing/2014/main" val="2159562963"/>
-                  </a:ext>
-                </a:extLst>
-              </a:tr>
-              <a:tr h="150487">
-                <a:tc>
-                  <a:txBody>
-                    <a:bodyPr/>
-                    <a:lstStyle/>
-                    <a:p>
-                      <a:pPr algn="ctr"/>
-                      <a:r>
-                        <a:rPr lang="de-CH" sz="600">
-                          <a:effectLst/>
-                        </a:rPr>
-                        <a:t>8</a:t>
-                      </a:r>
-                    </a:p>
-                  </a:txBody>
-                  <a:tcPr marL="123825" marR="123825" marT="57150" marB="57150" anchor="ctr">
-                    <a:lnL w="9525" cap="flat" cmpd="sng" algn="ctr">
-                      <a:solidFill>
-                        <a:srgbClr val="DFE2E5"/>
-                      </a:solidFill>
-                      <a:prstDash val="solid"/>
-                      <a:round/>
-                      <a:headEnd type="none" w="med" len="med"/>
-                      <a:tailEnd type="none" w="med" len="med"/>
-                    </a:lnL>
-                    <a:lnR w="9525" cap="flat" cmpd="sng" algn="ctr">
-                      <a:solidFill>
-                        <a:srgbClr val="DFE2E5"/>
-                      </a:solidFill>
-                      <a:prstDash val="solid"/>
-                      <a:round/>
-                      <a:headEnd type="none" w="med" len="med"/>
-                      <a:tailEnd type="none" w="med" len="med"/>
-                    </a:lnR>
-                    <a:lnT w="9525" cap="flat" cmpd="sng" algn="ctr">
-                      <a:solidFill>
-                        <a:srgbClr val="DFE2E5"/>
-                      </a:solidFill>
-                      <a:prstDash val="solid"/>
-                      <a:round/>
-                      <a:headEnd type="none" w="med" len="med"/>
-                      <a:tailEnd type="none" w="med" len="med"/>
-                    </a:lnT>
-                    <a:lnB w="9525" cap="flat" cmpd="sng" algn="ctr">
-                      <a:solidFill>
-                        <a:srgbClr val="DFE2E5"/>
-                      </a:solidFill>
-                      <a:prstDash val="solid"/>
-                      <a:round/>
-                      <a:headEnd type="none" w="med" len="med"/>
-                      <a:tailEnd type="none" w="med" len="med"/>
-                    </a:lnB>
-                    <a:solidFill>
-                      <a:srgbClr val="F6F8FA"/>
-                    </a:solidFill>
-                  </a:tcPr>
-                </a:tc>
-                <a:tc>
-                  <a:txBody>
-                    <a:bodyPr/>
-                    <a:lstStyle/>
-                    <a:p>
-                      <a:pPr algn="ctr"/>
-                      <a:r>
-                        <a:rPr lang="de-CH" sz="600">
-                          <a:effectLst/>
-                        </a:rPr>
-                        <a:t>Green</a:t>
-                      </a:r>
-                    </a:p>
-                  </a:txBody>
-                  <a:tcPr marL="123825" marR="123825" marT="57150" marB="57150" anchor="ctr">
-                    <a:lnL w="9525" cap="flat" cmpd="sng" algn="ctr">
-                      <a:solidFill>
-                        <a:srgbClr val="DFE2E5"/>
-                      </a:solidFill>
-                      <a:prstDash val="solid"/>
-                      <a:round/>
-                      <a:headEnd type="none" w="med" len="med"/>
-                      <a:tailEnd type="none" w="med" len="med"/>
-                    </a:lnL>
-                    <a:lnR w="9525" cap="flat" cmpd="sng" algn="ctr">
-                      <a:solidFill>
-                        <a:srgbClr val="DFE2E5"/>
-                      </a:solidFill>
-                      <a:prstDash val="solid"/>
-                      <a:round/>
-                      <a:headEnd type="none" w="med" len="med"/>
-                      <a:tailEnd type="none" w="med" len="med"/>
-                    </a:lnR>
-                    <a:lnT w="9525" cap="flat" cmpd="sng" algn="ctr">
-                      <a:solidFill>
-                        <a:srgbClr val="DFE2E5"/>
-                      </a:solidFill>
-                      <a:prstDash val="solid"/>
-                      <a:round/>
-                      <a:headEnd type="none" w="med" len="med"/>
-                      <a:tailEnd type="none" w="med" len="med"/>
-                    </a:lnT>
-                    <a:lnB w="9525" cap="flat" cmpd="sng" algn="ctr">
-                      <a:solidFill>
-                        <a:srgbClr val="DFE2E5"/>
-                      </a:solidFill>
-                      <a:prstDash val="solid"/>
-                      <a:round/>
-                      <a:headEnd type="none" w="med" len="med"/>
-                      <a:tailEnd type="none" w="med" len="med"/>
-                    </a:lnB>
-                    <a:solidFill>
-                      <a:srgbClr val="F6F8FA"/>
-                    </a:solidFill>
-                  </a:tcPr>
-                </a:tc>
-                <a:tc>
-                  <a:txBody>
-                    <a:bodyPr/>
-                    <a:lstStyle/>
-                    <a:p>
-                      <a:pPr algn="ctr"/>
-                      <a:r>
-                        <a:rPr lang="de-CH" sz="600">
-                          <a:effectLst/>
-                        </a:rPr>
-                        <a:t>Setpoint Signal 0 - 5 V</a:t>
-                      </a:r>
-                    </a:p>
-                  </a:txBody>
-                  <a:tcPr marL="123825" marR="123825" marT="57150" marB="57150" anchor="ctr">
-                    <a:lnL w="9525" cap="flat" cmpd="sng" algn="ctr">
-                      <a:solidFill>
-                        <a:srgbClr val="DFE2E5"/>
-                      </a:solidFill>
-                      <a:prstDash val="solid"/>
-                      <a:round/>
-                      <a:headEnd type="none" w="med" len="med"/>
-                      <a:tailEnd type="none" w="med" len="med"/>
-                    </a:lnL>
-                    <a:lnR w="9525" cap="flat" cmpd="sng" algn="ctr">
-                      <a:solidFill>
-                        <a:srgbClr val="DFE2E5"/>
-                      </a:solidFill>
-                      <a:prstDash val="solid"/>
-                      <a:round/>
-                      <a:headEnd type="none" w="med" len="med"/>
-                      <a:tailEnd type="none" w="med" len="med"/>
-                    </a:lnR>
-                    <a:lnT w="9525" cap="flat" cmpd="sng" algn="ctr">
-                      <a:solidFill>
-                        <a:srgbClr val="DFE2E5"/>
-                      </a:solidFill>
-                      <a:prstDash val="solid"/>
-                      <a:round/>
-                      <a:headEnd type="none" w="med" len="med"/>
-                      <a:tailEnd type="none" w="med" len="med"/>
-                    </a:lnT>
-                    <a:lnB w="9525" cap="flat" cmpd="sng" algn="ctr">
-                      <a:solidFill>
-                        <a:srgbClr val="DFE2E5"/>
-                      </a:solidFill>
-                      <a:prstDash val="solid"/>
-                      <a:round/>
-                      <a:headEnd type="none" w="med" len="med"/>
-                      <a:tailEnd type="none" w="med" len="med"/>
-                    </a:lnB>
-                    <a:solidFill>
-                      <a:srgbClr val="F6F8FA"/>
-                    </a:solidFill>
-                  </a:tcPr>
-                </a:tc>
-                <a:tc>
-                  <a:txBody>
-                    <a:bodyPr/>
-                    <a:lstStyle/>
-                    <a:p>
-                      <a:pPr algn="ctr"/>
-                      <a:r>
-                        <a:rPr lang="en-US" sz="600" dirty="0" smtClean="0">
-                          <a:effectLst/>
-                        </a:rPr>
-                        <a:t>Pin 9</a:t>
-                      </a:r>
-                      <a:endParaRPr lang="de-CH" sz="600" dirty="0">
-                        <a:effectLst/>
-                      </a:endParaRPr>
-                    </a:p>
-                  </a:txBody>
-                  <a:tcPr marL="123825" marR="123825" marT="57150" marB="57150" anchor="ctr">
-                    <a:lnL w="9525" cap="flat" cmpd="sng" algn="ctr">
-                      <a:solidFill>
-                        <a:srgbClr val="DFE2E5"/>
-                      </a:solidFill>
-                      <a:prstDash val="solid"/>
-                      <a:round/>
-                      <a:headEnd type="none" w="med" len="med"/>
-                      <a:tailEnd type="none" w="med" len="med"/>
-                    </a:lnL>
-                    <a:lnR w="9525" cap="flat" cmpd="sng" algn="ctr">
-                      <a:solidFill>
-                        <a:srgbClr val="DFE2E5"/>
-                      </a:solidFill>
-                      <a:prstDash val="solid"/>
-                      <a:round/>
-                      <a:headEnd type="none" w="med" len="med"/>
-                      <a:tailEnd type="none" w="med" len="med"/>
-                    </a:lnR>
-                    <a:lnT w="9525" cap="flat" cmpd="sng" algn="ctr">
-                      <a:solidFill>
-                        <a:srgbClr val="DFE2E5"/>
-                      </a:solidFill>
-                      <a:prstDash val="solid"/>
-                      <a:round/>
-                      <a:headEnd type="none" w="med" len="med"/>
-                      <a:tailEnd type="none" w="med" len="med"/>
-                    </a:lnT>
-                    <a:lnB w="9525" cap="flat" cmpd="sng" algn="ctr">
-                      <a:solidFill>
-                        <a:srgbClr val="DFE2E5"/>
-                      </a:solidFill>
-                      <a:prstDash val="solid"/>
-                      <a:round/>
-                      <a:headEnd type="none" w="med" len="med"/>
-                      <a:tailEnd type="none" w="med" len="med"/>
-                    </a:lnB>
-                    <a:solidFill>
-                      <a:srgbClr val="F6F8FA"/>
-                    </a:solidFill>
-                  </a:tcPr>
-                </a:tc>
-                <a:extLst>
-                  <a:ext uri="{0D108BD9-81ED-4DB2-BD59-A6C34878D82A}">
-                    <a16:rowId xmlns:a16="http://schemas.microsoft.com/office/drawing/2014/main" val="206220054"/>
-                  </a:ext>
-                </a:extLst>
-              </a:tr>
-              <a:tr h="150487">
-                <a:tc>
-                  <a:txBody>
-                    <a:bodyPr/>
-                    <a:lstStyle/>
-                    <a:p>
-                      <a:pPr algn="ctr"/>
-                      <a:r>
-                        <a:rPr lang="de-CH" sz="600">
-                          <a:effectLst/>
-                        </a:rPr>
-                        <a:t>9</a:t>
-                      </a:r>
-                    </a:p>
-                  </a:txBody>
-                  <a:tcPr marL="123825" marR="123825" marT="57150" marB="57150" anchor="ctr">
-                    <a:lnL w="9525" cap="flat" cmpd="sng" algn="ctr">
-                      <a:solidFill>
-                        <a:srgbClr val="DFE2E5"/>
-                      </a:solidFill>
-                      <a:prstDash val="solid"/>
-                      <a:round/>
-                      <a:headEnd type="none" w="med" len="med"/>
-                      <a:tailEnd type="none" w="med" len="med"/>
-                    </a:lnL>
-                    <a:lnR w="9525" cap="flat" cmpd="sng" algn="ctr">
-                      <a:solidFill>
-                        <a:srgbClr val="DFE2E5"/>
-                      </a:solidFill>
-                      <a:prstDash val="solid"/>
-                      <a:round/>
-                      <a:headEnd type="none" w="med" len="med"/>
-                      <a:tailEnd type="none" w="med" len="med"/>
-                    </a:lnR>
-                    <a:lnT w="9525" cap="flat" cmpd="sng" algn="ctr">
-                      <a:solidFill>
-                        <a:srgbClr val="DFE2E5"/>
-                      </a:solidFill>
-                      <a:prstDash val="solid"/>
-                      <a:round/>
-                      <a:headEnd type="none" w="med" len="med"/>
-                      <a:tailEnd type="none" w="med" len="med"/>
-                    </a:lnT>
-                    <a:lnB w="9525" cap="flat" cmpd="sng" algn="ctr">
-                      <a:solidFill>
-                        <a:srgbClr val="DFE2E5"/>
-                      </a:solidFill>
-                      <a:prstDash val="solid"/>
-                      <a:round/>
-                      <a:headEnd type="none" w="med" len="med"/>
-                      <a:tailEnd type="none" w="med" len="med"/>
-                    </a:lnB>
-                    <a:solidFill>
-                      <a:srgbClr val="FFFFFF"/>
-                    </a:solidFill>
-                  </a:tcPr>
-                </a:tc>
-                <a:tc>
-                  <a:txBody>
-                    <a:bodyPr/>
-                    <a:lstStyle/>
-                    <a:p>
-                      <a:pPr algn="ctr"/>
-                      <a:r>
-                        <a:rPr lang="de-CH" sz="600">
-                          <a:effectLst/>
-                        </a:rPr>
-                        <a:t>Gray-brown</a:t>
-                      </a:r>
-                    </a:p>
-                  </a:txBody>
-                  <a:tcPr marL="123825" marR="123825" marT="57150" marB="57150" anchor="ctr">
-                    <a:lnL w="9525" cap="flat" cmpd="sng" algn="ctr">
-                      <a:solidFill>
-                        <a:srgbClr val="DFE2E5"/>
-                      </a:solidFill>
-                      <a:prstDash val="solid"/>
-                      <a:round/>
-                      <a:headEnd type="none" w="med" len="med"/>
-                      <a:tailEnd type="none" w="med" len="med"/>
-                    </a:lnL>
-                    <a:lnR w="9525" cap="flat" cmpd="sng" algn="ctr">
-                      <a:solidFill>
-                        <a:srgbClr val="DFE2E5"/>
-                      </a:solidFill>
-                      <a:prstDash val="solid"/>
-                      <a:round/>
-                      <a:headEnd type="none" w="med" len="med"/>
-                      <a:tailEnd type="none" w="med" len="med"/>
-                    </a:lnR>
-                    <a:lnT w="9525" cap="flat" cmpd="sng" algn="ctr">
-                      <a:solidFill>
-                        <a:srgbClr val="DFE2E5"/>
-                      </a:solidFill>
-                      <a:prstDash val="solid"/>
-                      <a:round/>
-                      <a:headEnd type="none" w="med" len="med"/>
-                      <a:tailEnd type="none" w="med" len="med"/>
-                    </a:lnT>
-                    <a:lnB w="9525" cap="flat" cmpd="sng" algn="ctr">
-                      <a:solidFill>
-                        <a:srgbClr val="DFE2E5"/>
-                      </a:solidFill>
-                      <a:prstDash val="solid"/>
-                      <a:round/>
-                      <a:headEnd type="none" w="med" len="med"/>
-                      <a:tailEnd type="none" w="med" len="med"/>
-                    </a:lnB>
-                    <a:solidFill>
-                      <a:srgbClr val="FFFFFF"/>
-                    </a:solidFill>
-                  </a:tcPr>
-                </a:tc>
-                <a:tc>
-                  <a:txBody>
-                    <a:bodyPr/>
-                    <a:lstStyle/>
-                    <a:p>
-                      <a:pPr algn="ctr"/>
-                      <a:r>
-                        <a:rPr lang="de-CH" sz="600">
-                          <a:effectLst/>
-                        </a:rPr>
-                        <a:t>Power Supply common</a:t>
-                      </a:r>
-                    </a:p>
-                  </a:txBody>
-                  <a:tcPr marL="123825" marR="123825" marT="57150" marB="57150" anchor="ctr">
-                    <a:lnL w="9525" cap="flat" cmpd="sng" algn="ctr">
-                      <a:solidFill>
-                        <a:srgbClr val="DFE2E5"/>
-                      </a:solidFill>
-                      <a:prstDash val="solid"/>
-                      <a:round/>
-                      <a:headEnd type="none" w="med" len="med"/>
-                      <a:tailEnd type="none" w="med" len="med"/>
-                    </a:lnL>
-                    <a:lnR w="9525" cap="flat" cmpd="sng" algn="ctr">
-                      <a:solidFill>
-                        <a:srgbClr val="DFE2E5"/>
-                      </a:solidFill>
-                      <a:prstDash val="solid"/>
-                      <a:round/>
-                      <a:headEnd type="none" w="med" len="med"/>
-                      <a:tailEnd type="none" w="med" len="med"/>
-                    </a:lnR>
-                    <a:lnT w="9525" cap="flat" cmpd="sng" algn="ctr">
-                      <a:solidFill>
-                        <a:srgbClr val="DFE2E5"/>
-                      </a:solidFill>
-                      <a:prstDash val="solid"/>
-                      <a:round/>
-                      <a:headEnd type="none" w="med" len="med"/>
-                      <a:tailEnd type="none" w="med" len="med"/>
-                    </a:lnT>
-                    <a:lnB w="9525" cap="flat" cmpd="sng" algn="ctr">
-                      <a:solidFill>
-                        <a:srgbClr val="DFE2E5"/>
-                      </a:solidFill>
-                      <a:prstDash val="solid"/>
-                      <a:round/>
-                      <a:headEnd type="none" w="med" len="med"/>
-                      <a:tailEnd type="none" w="med" len="med"/>
-                    </a:lnB>
-                    <a:solidFill>
-                      <a:srgbClr val="FFFFFF"/>
-                    </a:solidFill>
-                  </a:tcPr>
-                </a:tc>
-                <a:tc>
-                  <a:txBody>
-                    <a:bodyPr/>
-                    <a:lstStyle/>
-                    <a:p>
-                      <a:pPr algn="ctr"/>
-                      <a:r>
-                        <a:rPr lang="en-US" sz="600" dirty="0" smtClean="0">
-                          <a:effectLst/>
-                        </a:rPr>
-                        <a:t>GND</a:t>
-                      </a:r>
-                      <a:endParaRPr lang="de-CH" sz="600" dirty="0">
-                        <a:effectLst/>
-                      </a:endParaRPr>
-                    </a:p>
-                  </a:txBody>
-                  <a:tcPr marL="123825" marR="123825" marT="57150" marB="57150" anchor="ctr">
-                    <a:lnL w="9525" cap="flat" cmpd="sng" algn="ctr">
-                      <a:solidFill>
-                        <a:srgbClr val="DFE2E5"/>
-                      </a:solidFill>
-                      <a:prstDash val="solid"/>
-                      <a:round/>
-                      <a:headEnd type="none" w="med" len="med"/>
-                      <a:tailEnd type="none" w="med" len="med"/>
-                    </a:lnL>
-                    <a:lnR w="9525" cap="flat" cmpd="sng" algn="ctr">
-                      <a:solidFill>
-                        <a:srgbClr val="DFE2E5"/>
-                      </a:solidFill>
-                      <a:prstDash val="solid"/>
-                      <a:round/>
-                      <a:headEnd type="none" w="med" len="med"/>
-                      <a:tailEnd type="none" w="med" len="med"/>
-                    </a:lnR>
-                    <a:lnT w="9525" cap="flat" cmpd="sng" algn="ctr">
-                      <a:solidFill>
-                        <a:srgbClr val="DFE2E5"/>
-                      </a:solidFill>
-                      <a:prstDash val="solid"/>
-                      <a:round/>
-                      <a:headEnd type="none" w="med" len="med"/>
-                      <a:tailEnd type="none" w="med" len="med"/>
-                    </a:lnT>
-                    <a:lnB w="9525" cap="flat" cmpd="sng" algn="ctr">
-                      <a:solidFill>
-                        <a:srgbClr val="DFE2E5"/>
-                      </a:solidFill>
-                      <a:prstDash val="solid"/>
-                      <a:round/>
-                      <a:headEnd type="none" w="med" len="med"/>
-                      <a:tailEnd type="none" w="med" len="med"/>
-                    </a:lnB>
-                    <a:solidFill>
-                      <a:srgbClr val="FFFFFF"/>
-                    </a:solidFill>
-                  </a:tcPr>
-                </a:tc>
-                <a:extLst>
-                  <a:ext uri="{0D108BD9-81ED-4DB2-BD59-A6C34878D82A}">
-                    <a16:rowId xmlns:a16="http://schemas.microsoft.com/office/drawing/2014/main" val="2753530376"/>
-                  </a:ext>
-                </a:extLst>
-              </a:tr>
-              <a:tr h="256712">
-                <a:tc>
-                  <a:txBody>
-                    <a:bodyPr/>
-                    <a:lstStyle/>
-                    <a:p>
-                      <a:pPr algn="ctr"/>
-                      <a:r>
-                        <a:rPr lang="de-CH" sz="600">
-                          <a:effectLst/>
-                        </a:rPr>
-                        <a:t>10</a:t>
-                      </a:r>
-                    </a:p>
-                  </a:txBody>
-                  <a:tcPr marL="123825" marR="123825" marT="57150" marB="57150" anchor="ctr">
-                    <a:lnL w="9525" cap="flat" cmpd="sng" algn="ctr">
-                      <a:solidFill>
-                        <a:srgbClr val="DFE2E5"/>
-                      </a:solidFill>
-                      <a:prstDash val="solid"/>
-                      <a:round/>
-                      <a:headEnd type="none" w="med" len="med"/>
-                      <a:tailEnd type="none" w="med" len="med"/>
-                    </a:lnL>
-                    <a:lnR w="9525" cap="flat" cmpd="sng" algn="ctr">
-                      <a:solidFill>
-                        <a:srgbClr val="DFE2E5"/>
-                      </a:solidFill>
-                      <a:prstDash val="solid"/>
-                      <a:round/>
-                      <a:headEnd type="none" w="med" len="med"/>
-                      <a:tailEnd type="none" w="med" len="med"/>
-                    </a:lnR>
-                    <a:lnT w="9525" cap="flat" cmpd="sng" algn="ctr">
-                      <a:solidFill>
-                        <a:srgbClr val="DFE2E5"/>
-                      </a:solidFill>
-                      <a:prstDash val="solid"/>
-                      <a:round/>
-                      <a:headEnd type="none" w="med" len="med"/>
-                      <a:tailEnd type="none" w="med" len="med"/>
-                    </a:lnT>
-                    <a:lnB w="9525" cap="flat" cmpd="sng" algn="ctr">
-                      <a:solidFill>
-                        <a:srgbClr val="DFE2E5"/>
-                      </a:solidFill>
-                      <a:prstDash val="solid"/>
-                      <a:round/>
-                      <a:headEnd type="none" w="med" len="med"/>
-                      <a:tailEnd type="none" w="med" len="med"/>
-                    </a:lnB>
-                    <a:solidFill>
-                      <a:srgbClr val="F6F8FA"/>
-                    </a:solidFill>
-                  </a:tcPr>
-                </a:tc>
-                <a:tc>
-                  <a:txBody>
-                    <a:bodyPr/>
-                    <a:lstStyle/>
-                    <a:p>
-                      <a:pPr algn="ctr"/>
-                      <a:r>
-                        <a:rPr lang="de-CH" sz="600">
-                          <a:effectLst/>
-                        </a:rPr>
-                        <a:t>Brown-green</a:t>
-                      </a:r>
-                    </a:p>
-                  </a:txBody>
-                  <a:tcPr marL="123825" marR="123825" marT="57150" marB="57150" anchor="ctr">
-                    <a:lnL w="9525" cap="flat" cmpd="sng" algn="ctr">
-                      <a:solidFill>
-                        <a:srgbClr val="DFE2E5"/>
-                      </a:solidFill>
-                      <a:prstDash val="solid"/>
-                      <a:round/>
-                      <a:headEnd type="none" w="med" len="med"/>
-                      <a:tailEnd type="none" w="med" len="med"/>
-                    </a:lnL>
-                    <a:lnR w="9525" cap="flat" cmpd="sng" algn="ctr">
-                      <a:solidFill>
-                        <a:srgbClr val="DFE2E5"/>
-                      </a:solidFill>
-                      <a:prstDash val="solid"/>
-                      <a:round/>
-                      <a:headEnd type="none" w="med" len="med"/>
-                      <a:tailEnd type="none" w="med" len="med"/>
-                    </a:lnR>
-                    <a:lnT w="9525" cap="flat" cmpd="sng" algn="ctr">
-                      <a:solidFill>
-                        <a:srgbClr val="DFE2E5"/>
-                      </a:solidFill>
-                      <a:prstDash val="solid"/>
-                      <a:round/>
-                      <a:headEnd type="none" w="med" len="med"/>
-                      <a:tailEnd type="none" w="med" len="med"/>
-                    </a:lnT>
-                    <a:lnB w="9525" cap="flat" cmpd="sng" algn="ctr">
-                      <a:solidFill>
-                        <a:srgbClr val="DFE2E5"/>
-                      </a:solidFill>
-                      <a:prstDash val="solid"/>
-                      <a:round/>
-                      <a:headEnd type="none" w="med" len="med"/>
-                      <a:tailEnd type="none" w="med" len="med"/>
-                    </a:lnB>
-                    <a:solidFill>
-                      <a:srgbClr val="F6F8FA"/>
-                    </a:solidFill>
-                  </a:tcPr>
-                </a:tc>
-                <a:tc>
-                  <a:txBody>
-                    <a:bodyPr/>
-                    <a:lstStyle/>
-                    <a:p>
-                      <a:pPr algn="ctr"/>
-                      <a:r>
-                        <a:rPr lang="de-CH" sz="600" dirty="0">
-                          <a:effectLst/>
-                        </a:rPr>
-                        <a:t>Flow Signal </a:t>
-                      </a:r>
-                      <a:r>
-                        <a:rPr lang="de-CH" sz="600" dirty="0" err="1">
-                          <a:effectLst/>
-                        </a:rPr>
-                        <a:t>output</a:t>
-                      </a:r>
-                      <a:r>
-                        <a:rPr lang="de-CH" sz="600" dirty="0">
-                          <a:effectLst/>
-                        </a:rPr>
-                        <a:t> </a:t>
-                      </a:r>
-                      <a:r>
-                        <a:rPr lang="de-CH" sz="600" dirty="0" err="1">
-                          <a:effectLst/>
-                        </a:rPr>
-                        <a:t>common</a:t>
-                      </a:r>
-                      <a:endParaRPr lang="de-CH" sz="600" dirty="0">
-                        <a:effectLst/>
-                      </a:endParaRPr>
-                    </a:p>
-                  </a:txBody>
-                  <a:tcPr marL="123825" marR="123825" marT="57150" marB="57150" anchor="ctr">
-                    <a:lnL w="9525" cap="flat" cmpd="sng" algn="ctr">
-                      <a:solidFill>
-                        <a:srgbClr val="DFE2E5"/>
-                      </a:solidFill>
-                      <a:prstDash val="solid"/>
-                      <a:round/>
-                      <a:headEnd type="none" w="med" len="med"/>
-                      <a:tailEnd type="none" w="med" len="med"/>
-                    </a:lnL>
-                    <a:lnR w="9525" cap="flat" cmpd="sng" algn="ctr">
-                      <a:solidFill>
-                        <a:srgbClr val="DFE2E5"/>
-                      </a:solidFill>
-                      <a:prstDash val="solid"/>
-                      <a:round/>
-                      <a:headEnd type="none" w="med" len="med"/>
-                      <a:tailEnd type="none" w="med" len="med"/>
-                    </a:lnR>
-                    <a:lnT w="9525" cap="flat" cmpd="sng" algn="ctr">
-                      <a:solidFill>
-                        <a:srgbClr val="DFE2E5"/>
-                      </a:solidFill>
-                      <a:prstDash val="solid"/>
-                      <a:round/>
-                      <a:headEnd type="none" w="med" len="med"/>
-                      <a:tailEnd type="none" w="med" len="med"/>
-                    </a:lnT>
-                    <a:lnB w="9525" cap="flat" cmpd="sng" algn="ctr">
-                      <a:solidFill>
-                        <a:srgbClr val="DFE2E5"/>
-                      </a:solidFill>
-                      <a:prstDash val="solid"/>
-                      <a:round/>
-                      <a:headEnd type="none" w="med" len="med"/>
-                      <a:tailEnd type="none" w="med" len="med"/>
-                    </a:lnB>
-                    <a:solidFill>
-                      <a:srgbClr val="F6F8FA"/>
-                    </a:solidFill>
-                  </a:tcPr>
-                </a:tc>
-                <a:tc>
-                  <a:txBody>
-                    <a:bodyPr/>
-                    <a:lstStyle/>
-                    <a:p>
-                      <a:pPr algn="ctr"/>
-                      <a:r>
-                        <a:rPr lang="en-US" sz="600" dirty="0" smtClean="0">
-                          <a:effectLst/>
-                        </a:rPr>
-                        <a:t>GND</a:t>
-                      </a:r>
-                      <a:endParaRPr lang="de-CH" sz="600" dirty="0">
-                        <a:effectLst/>
-                      </a:endParaRPr>
-                    </a:p>
-                  </a:txBody>
-                  <a:tcPr marL="123825" marR="123825" marT="57150" marB="57150" anchor="ctr">
-                    <a:lnL w="9525" cap="flat" cmpd="sng" algn="ctr">
-                      <a:solidFill>
-                        <a:srgbClr val="DFE2E5"/>
-                      </a:solidFill>
-                      <a:prstDash val="solid"/>
-                      <a:round/>
-                      <a:headEnd type="none" w="med" len="med"/>
-                      <a:tailEnd type="none" w="med" len="med"/>
-                    </a:lnL>
-                    <a:lnR w="9525" cap="flat" cmpd="sng" algn="ctr">
-                      <a:solidFill>
-                        <a:srgbClr val="DFE2E5"/>
-                      </a:solidFill>
-                      <a:prstDash val="solid"/>
-                      <a:round/>
-                      <a:headEnd type="none" w="med" len="med"/>
-                      <a:tailEnd type="none" w="med" len="med"/>
-                    </a:lnR>
-                    <a:lnT w="9525" cap="flat" cmpd="sng" algn="ctr">
-                      <a:solidFill>
-                        <a:srgbClr val="DFE2E5"/>
-                      </a:solidFill>
-                      <a:prstDash val="solid"/>
-                      <a:round/>
-                      <a:headEnd type="none" w="med" len="med"/>
-                      <a:tailEnd type="none" w="med" len="med"/>
-                    </a:lnT>
-                    <a:lnB w="9525" cap="flat" cmpd="sng" algn="ctr">
-                      <a:solidFill>
-                        <a:srgbClr val="DFE2E5"/>
-                      </a:solidFill>
-                      <a:prstDash val="solid"/>
-                      <a:round/>
-                      <a:headEnd type="none" w="med" len="med"/>
-                      <a:tailEnd type="none" w="med" len="med"/>
-                    </a:lnB>
-                    <a:solidFill>
-                      <a:srgbClr val="F6F8FA"/>
-                    </a:solidFill>
-                  </a:tcPr>
-                </a:tc>
-                <a:extLst>
-                  <a:ext uri="{0D108BD9-81ED-4DB2-BD59-A6C34878D82A}">
-                    <a16:rowId xmlns:a16="http://schemas.microsoft.com/office/drawing/2014/main" val="570725272"/>
-                  </a:ext>
-                </a:extLst>
-              </a:tr>
-            </a:tbl>
-          </a:graphicData>
-        </a:graphic>
-      </p:graphicFrame>
       <p:sp>
         <p:nvSpPr>
           <p:cNvPr id="7" name="Textfeld 6"/>
@@ -5171,52 +3486,6 @@
               <a:t>”, i.e. on the MPC2278</a:t>
             </a:r>
             <a:endParaRPr lang="de-CH" sz="1050" dirty="0"/>
-          </a:p>
-        </p:txBody>
-      </p:sp>
-      <p:sp>
-        <p:nvSpPr>
-          <p:cNvPr id="2" name="Rechteck 1"/>
-          <p:cNvSpPr/>
-          <p:nvPr/>
-        </p:nvSpPr>
-        <p:spPr>
-          <a:xfrm>
-            <a:off x="332509" y="2467093"/>
-            <a:ext cx="2801389" cy="275669"/>
-          </a:xfrm>
-          <a:prstGeom prst="rect">
-            <a:avLst/>
-          </a:prstGeom>
-          <a:noFill/>
-          <a:ln>
-            <a:solidFill>
-              <a:srgbClr val="FF0000"/>
-            </a:solidFill>
-          </a:ln>
-        </p:spPr>
-        <p:style>
-          <a:lnRef idx="2">
-            <a:schemeClr val="accent1">
-              <a:shade val="50000"/>
-            </a:schemeClr>
-          </a:lnRef>
-          <a:fillRef idx="1">
-            <a:schemeClr val="accent1"/>
-          </a:fillRef>
-          <a:effectRef idx="0">
-            <a:schemeClr val="accent1"/>
-          </a:effectRef>
-          <a:fontRef idx="minor">
-            <a:schemeClr val="lt1"/>
-          </a:fontRef>
-        </p:style>
-        <p:txBody>
-          <a:bodyPr rtlCol="0" anchor="ctr"/>
-          <a:lstStyle/>
-          <a:p>
-            <a:pPr algn="ctr"/>
-            <a:endParaRPr lang="de-CH"/>
           </a:p>
         </p:txBody>
       </p:sp>
